--- a/45 - Sovereign and Transforming Grace.pptx
+++ b/45 - Sovereign and Transforming Grace.pptx
@@ -113,10 +113,6 @@
 </p:presentation>
 </file>
 
-<file path=ppt/revisionInfo.xml><?xml version="1.0" encoding="utf-8"?>
-<p1510:revInfo xmlns:a="http://schemas.openxmlformats.org/drawingml/2006/main" xmlns:r="http://schemas.openxmlformats.org/officeDocument/2006/relationships" xmlns:p1510="http://schemas.microsoft.com/office/powerpoint/2015/10/main"/>
-</file>
-
 <file path=ppt/slideLayouts/slideLayout1.xml><?xml version="1.0" encoding="utf-8"?>
 <p:sldLayout xmlns:a="http://schemas.openxmlformats.org/drawingml/2006/main" xmlns:r="http://schemas.openxmlformats.org/officeDocument/2006/relationships" xmlns:p="http://schemas.openxmlformats.org/presentationml/2006/main" type="title" preserve="1">
   <p:cSld name="Title Slide">
@@ -246,7 +242,7 @@
           <a:p>
             <a:fld id="{32F7251A-AE54-443C-B8FE-5F636E835EBF}" type="datetimeFigureOut">
               <a:rPr lang="en-US" smtClean="0"/>
-              <a:t>8/27/2017</a:t>
+              <a:t>8/2/2020</a:t>
             </a:fld>
             <a:endParaRPr lang="en-US"/>
           </a:p>
@@ -414,7 +410,7 @@
           <a:p>
             <a:fld id="{32F7251A-AE54-443C-B8FE-5F636E835EBF}" type="datetimeFigureOut">
               <a:rPr lang="en-US" smtClean="0"/>
-              <a:t>8/27/2017</a:t>
+              <a:t>8/2/2020</a:t>
             </a:fld>
             <a:endParaRPr lang="en-US"/>
           </a:p>
@@ -592,7 +588,7 @@
           <a:p>
             <a:fld id="{32F7251A-AE54-443C-B8FE-5F636E835EBF}" type="datetimeFigureOut">
               <a:rPr lang="en-US" smtClean="0"/>
-              <a:t>8/27/2017</a:t>
+              <a:t>8/2/2020</a:t>
             </a:fld>
             <a:endParaRPr lang="en-US"/>
           </a:p>
@@ -760,7 +756,7 @@
           <a:p>
             <a:fld id="{32F7251A-AE54-443C-B8FE-5F636E835EBF}" type="datetimeFigureOut">
               <a:rPr lang="en-US" smtClean="0"/>
-              <a:t>8/27/2017</a:t>
+              <a:t>8/2/2020</a:t>
             </a:fld>
             <a:endParaRPr lang="en-US"/>
           </a:p>
@@ -1005,7 +1001,7 @@
           <a:p>
             <a:fld id="{32F7251A-AE54-443C-B8FE-5F636E835EBF}" type="datetimeFigureOut">
               <a:rPr lang="en-US" smtClean="0"/>
-              <a:t>8/27/2017</a:t>
+              <a:t>8/2/2020</a:t>
             </a:fld>
             <a:endParaRPr lang="en-US"/>
           </a:p>
@@ -1234,7 +1230,7 @@
           <a:p>
             <a:fld id="{32F7251A-AE54-443C-B8FE-5F636E835EBF}" type="datetimeFigureOut">
               <a:rPr lang="en-US" smtClean="0"/>
-              <a:t>8/27/2017</a:t>
+              <a:t>8/2/2020</a:t>
             </a:fld>
             <a:endParaRPr lang="en-US"/>
           </a:p>
@@ -1598,7 +1594,7 @@
           <a:p>
             <a:fld id="{32F7251A-AE54-443C-B8FE-5F636E835EBF}" type="datetimeFigureOut">
               <a:rPr lang="en-US" smtClean="0"/>
-              <a:t>8/27/2017</a:t>
+              <a:t>8/2/2020</a:t>
             </a:fld>
             <a:endParaRPr lang="en-US"/>
           </a:p>
@@ -1715,7 +1711,7 @@
           <a:p>
             <a:fld id="{32F7251A-AE54-443C-B8FE-5F636E835EBF}" type="datetimeFigureOut">
               <a:rPr lang="en-US" smtClean="0"/>
-              <a:t>8/27/2017</a:t>
+              <a:t>8/2/2020</a:t>
             </a:fld>
             <a:endParaRPr lang="en-US"/>
           </a:p>
@@ -1810,7 +1806,7 @@
           <a:p>
             <a:fld id="{32F7251A-AE54-443C-B8FE-5F636E835EBF}" type="datetimeFigureOut">
               <a:rPr lang="en-US" smtClean="0"/>
-              <a:t>8/27/2017</a:t>
+              <a:t>8/2/2020</a:t>
             </a:fld>
             <a:endParaRPr lang="en-US"/>
           </a:p>
@@ -2085,7 +2081,7 @@
           <a:p>
             <a:fld id="{32F7251A-AE54-443C-B8FE-5F636E835EBF}" type="datetimeFigureOut">
               <a:rPr lang="en-US" smtClean="0"/>
-              <a:t>8/27/2017</a:t>
+              <a:t>8/2/2020</a:t>
             </a:fld>
             <a:endParaRPr lang="en-US"/>
           </a:p>
@@ -2337,7 +2333,7 @@
           <a:p>
             <a:fld id="{32F7251A-AE54-443C-B8FE-5F636E835EBF}" type="datetimeFigureOut">
               <a:rPr lang="en-US" smtClean="0"/>
-              <a:t>8/27/2017</a:t>
+              <a:t>8/2/2020</a:t>
             </a:fld>
             <a:endParaRPr lang="en-US"/>
           </a:p>
@@ -2404,7 +2400,9 @@
     <p:bg>
       <p:bgPr>
         <a:solidFill>
-          <a:srgbClr val="333333"/>
+          <a:schemeClr val="bg1">
+            <a:lumMod val="10000"/>
+          </a:schemeClr>
         </a:solidFill>
         <a:effectLst/>
       </p:bgPr>
@@ -2551,7 +2549,7 @@
           <a:p>
             <a:fld id="{32F7251A-AE54-443C-B8FE-5F636E835EBF}" type="datetimeFigureOut">
               <a:rPr lang="en-US" smtClean="0"/>
-              <a:t>8/27/2017</a:t>
+              <a:t>8/2/2020</a:t>
             </a:fld>
             <a:endParaRPr lang="en-US"/>
           </a:p>
@@ -3021,8 +3019,8 @@
         </p:nvSpPr>
         <p:spPr>
           <a:xfrm>
-            <a:off x="0" y="5804209"/>
-            <a:ext cx="12192000" cy="830997"/>
+            <a:off x="0" y="5927320"/>
+            <a:ext cx="12192000" cy="584775"/>
           </a:xfrm>
           <a:prstGeom prst="rect">
             <a:avLst/>
@@ -3037,10 +3035,12 @@
           <a:p>
             <a:pPr algn="ctr"/>
             <a:r>
-              <a:rPr lang="en-US" sz="4800" dirty="0">
+              <a:rPr lang="en-US" sz="3200" u="sng" dirty="0">
                 <a:solidFill>
                   <a:schemeClr val="bg1"/>
                 </a:solidFill>
+                <a:latin typeface="Assistant SemiBold" panose="00000700000000000000" pitchFamily="2" charset="-79"/>
+                <a:cs typeface="Assistant SemiBold" panose="00000700000000000000" pitchFamily="2" charset="-79"/>
               </a:rPr>
               <a:t>“Sovereign and Transforming Grace”</a:t>
             </a:r>
@@ -3055,8 +3055,8 @@
         </p:nvSpPr>
         <p:spPr>
           <a:xfrm>
-            <a:off x="0" y="350630"/>
-            <a:ext cx="12192000" cy="5078313"/>
+            <a:off x="0" y="798866"/>
+            <a:ext cx="12192000" cy="3970318"/>
           </a:xfrm>
           <a:prstGeom prst="rect">
             <a:avLst/>
@@ -3071,10 +3071,12 @@
           <a:p>
             <a:pPr algn="ctr"/>
             <a:r>
-              <a:rPr lang="en-US" sz="3600" dirty="0">
+              <a:rPr lang="en-US" sz="2800" spc="50" dirty="0">
                 <a:solidFill>
                   <a:schemeClr val="bg1"/>
                 </a:solidFill>
+                <a:latin typeface="Assistant" panose="00000500000000000000" pitchFamily="2" charset="-79"/>
+                <a:cs typeface="Assistant" panose="00000500000000000000" pitchFamily="2" charset="-79"/>
               </a:rPr>
               <a:t>Sovereign and Transforming Grace!</a:t>
             </a:r>
@@ -3082,10 +3084,12 @@
           <a:p>
             <a:pPr algn="ctr"/>
             <a:r>
-              <a:rPr lang="en-US" sz="3600" dirty="0">
+              <a:rPr lang="en-US" sz="2800" spc="50" dirty="0">
                 <a:solidFill>
                   <a:schemeClr val="bg1"/>
                 </a:solidFill>
+                <a:latin typeface="Assistant" panose="00000500000000000000" pitchFamily="2" charset="-79"/>
+                <a:cs typeface="Assistant" panose="00000500000000000000" pitchFamily="2" charset="-79"/>
               </a:rPr>
               <a:t>We invoke Thy quickening power;</a:t>
             </a:r>
@@ -3093,10 +3097,12 @@
           <a:p>
             <a:pPr algn="ctr"/>
             <a:r>
-              <a:rPr lang="en-US" sz="3600" dirty="0">
+              <a:rPr lang="en-US" sz="2800" spc="50" dirty="0">
                 <a:solidFill>
                   <a:schemeClr val="bg1"/>
                 </a:solidFill>
+                <a:latin typeface="Assistant" panose="00000500000000000000" pitchFamily="2" charset="-79"/>
+                <a:cs typeface="Assistant" panose="00000500000000000000" pitchFamily="2" charset="-79"/>
               </a:rPr>
               <a:t>Reign the spirit of this place;</a:t>
             </a:r>
@@ -3104,29 +3110,35 @@
           <a:p>
             <a:pPr algn="ctr"/>
             <a:r>
-              <a:rPr lang="en-US" sz="3600" dirty="0">
+              <a:rPr lang="en-US" sz="2800" spc="50" dirty="0">
                 <a:solidFill>
                   <a:schemeClr val="bg1"/>
                 </a:solidFill>
+                <a:latin typeface="Assistant" panose="00000500000000000000" pitchFamily="2" charset="-79"/>
+                <a:cs typeface="Assistant" panose="00000500000000000000" pitchFamily="2" charset="-79"/>
               </a:rPr>
               <a:t>Bless the purpose of this hour.</a:t>
             </a:r>
           </a:p>
           <a:p>
             <a:pPr algn="ctr"/>
-            <a:endParaRPr lang="en-US" sz="3600" dirty="0">
+            <a:endParaRPr lang="en-US" sz="2800" spc="50" dirty="0">
               <a:solidFill>
                 <a:schemeClr val="bg1"/>
               </a:solidFill>
+              <a:latin typeface="Assistant" panose="00000500000000000000" pitchFamily="2" charset="-79"/>
+              <a:cs typeface="Assistant" panose="00000500000000000000" pitchFamily="2" charset="-79"/>
             </a:endParaRPr>
           </a:p>
           <a:p>
             <a:pPr algn="ctr"/>
             <a:r>
-              <a:rPr lang="en-US" sz="3600" dirty="0">
+              <a:rPr lang="en-US" sz="2800" spc="50" dirty="0">
                 <a:solidFill>
                   <a:schemeClr val="bg1"/>
                 </a:solidFill>
+                <a:latin typeface="Assistant" panose="00000500000000000000" pitchFamily="2" charset="-79"/>
+                <a:cs typeface="Assistant" panose="00000500000000000000" pitchFamily="2" charset="-79"/>
               </a:rPr>
               <a:t>Holy and Creative Light!</a:t>
             </a:r>
@@ -3134,10 +3146,12 @@
           <a:p>
             <a:pPr algn="ctr"/>
             <a:r>
-              <a:rPr lang="en-US" sz="3600" dirty="0">
+              <a:rPr lang="en-US" sz="2800" spc="50" dirty="0">
                 <a:solidFill>
                   <a:schemeClr val="bg1"/>
                 </a:solidFill>
+                <a:latin typeface="Assistant" panose="00000500000000000000" pitchFamily="2" charset="-79"/>
+                <a:cs typeface="Assistant" panose="00000500000000000000" pitchFamily="2" charset="-79"/>
               </a:rPr>
               <a:t>We invoke Thy kindling ray;</a:t>
             </a:r>
@@ -3145,10 +3159,12 @@
           <a:p>
             <a:pPr algn="ctr"/>
             <a:r>
-              <a:rPr lang="en-US" sz="3600" dirty="0">
+              <a:rPr lang="en-US" sz="2800" spc="50" dirty="0">
                 <a:solidFill>
                   <a:schemeClr val="bg1"/>
                 </a:solidFill>
+                <a:latin typeface="Assistant" panose="00000500000000000000" pitchFamily="2" charset="-79"/>
+                <a:cs typeface="Assistant" panose="00000500000000000000" pitchFamily="2" charset="-79"/>
               </a:rPr>
               <a:t>Dawn upon our spirits’ night;</a:t>
             </a:r>
@@ -3156,10 +3172,12 @@
           <a:p>
             <a:pPr algn="ctr"/>
             <a:r>
-              <a:rPr lang="en-US" sz="3600" dirty="0">
+              <a:rPr lang="en-US" sz="2800" spc="50" dirty="0">
                 <a:solidFill>
                   <a:schemeClr val="bg1"/>
                 </a:solidFill>
+                <a:latin typeface="Assistant" panose="00000500000000000000" pitchFamily="2" charset="-79"/>
+                <a:cs typeface="Assistant" panose="00000500000000000000" pitchFamily="2" charset="-79"/>
               </a:rPr>
               <a:t>Turn our darkness into day.</a:t>
             </a:r>
@@ -3261,8 +3279,8 @@
         </p:nvSpPr>
         <p:spPr>
           <a:xfrm>
-            <a:off x="0" y="5804209"/>
-            <a:ext cx="12192000" cy="830997"/>
+            <a:off x="0" y="5927320"/>
+            <a:ext cx="12192000" cy="584775"/>
           </a:xfrm>
           <a:prstGeom prst="rect">
             <a:avLst/>
@@ -3277,10 +3295,12 @@
           <a:p>
             <a:pPr algn="ctr"/>
             <a:r>
-              <a:rPr lang="en-US" sz="4800" dirty="0">
+              <a:rPr lang="en-US" sz="3200" u="sng" dirty="0">
                 <a:solidFill>
                   <a:schemeClr val="bg1"/>
                 </a:solidFill>
+                <a:latin typeface="Assistant SemiBold" panose="00000700000000000000" pitchFamily="2" charset="-79"/>
+                <a:cs typeface="Assistant SemiBold" panose="00000700000000000000" pitchFamily="2" charset="-79"/>
               </a:rPr>
               <a:t>“Sovereign and Transforming Grace”</a:t>
             </a:r>
@@ -3295,8 +3315,8 @@
         </p:nvSpPr>
         <p:spPr>
           <a:xfrm>
-            <a:off x="0" y="350630"/>
-            <a:ext cx="12192000" cy="5078313"/>
+            <a:off x="0" y="729571"/>
+            <a:ext cx="12192000" cy="3970318"/>
           </a:xfrm>
           <a:prstGeom prst="rect">
             <a:avLst/>
@@ -3311,10 +3331,12 @@
           <a:p>
             <a:pPr algn="ctr"/>
             <a:r>
-              <a:rPr lang="en-US" sz="3600" dirty="0">
+              <a:rPr lang="en-US" sz="2800" spc="50" dirty="0">
                 <a:solidFill>
                   <a:schemeClr val="bg1"/>
                 </a:solidFill>
+                <a:latin typeface="Assistant" panose="00000500000000000000" pitchFamily="2" charset="-79"/>
+                <a:cs typeface="Assistant" panose="00000500000000000000" pitchFamily="2" charset="-79"/>
               </a:rPr>
               <a:t>To the anxious soul impart,</a:t>
             </a:r>
@@ -3322,10 +3344,12 @@
           <a:p>
             <a:pPr algn="ctr"/>
             <a:r>
-              <a:rPr lang="en-US" sz="3600" dirty="0">
+              <a:rPr lang="en-US" sz="2800" spc="50" dirty="0">
                 <a:solidFill>
                   <a:schemeClr val="bg1"/>
                 </a:solidFill>
+                <a:latin typeface="Assistant" panose="00000500000000000000" pitchFamily="2" charset="-79"/>
+                <a:cs typeface="Assistant" panose="00000500000000000000" pitchFamily="2" charset="-79"/>
               </a:rPr>
               <a:t>Hope, all other hopes above;</a:t>
             </a:r>
@@ -3333,10 +3357,12 @@
           <a:p>
             <a:pPr algn="ctr"/>
             <a:r>
-              <a:rPr lang="en-US" sz="3600" dirty="0">
+              <a:rPr lang="en-US" sz="2800" spc="50" dirty="0">
                 <a:solidFill>
                   <a:schemeClr val="bg1"/>
                 </a:solidFill>
+                <a:latin typeface="Assistant" panose="00000500000000000000" pitchFamily="2" charset="-79"/>
+                <a:cs typeface="Assistant" panose="00000500000000000000" pitchFamily="2" charset="-79"/>
               </a:rPr>
               <a:t>Stir the dull and hardened heart</a:t>
             </a:r>
@@ -3344,29 +3370,35 @@
           <a:p>
             <a:pPr algn="ctr"/>
             <a:r>
-              <a:rPr lang="en-US" sz="3600" dirty="0">
+              <a:rPr lang="en-US" sz="2800" spc="50" dirty="0">
                 <a:solidFill>
                   <a:schemeClr val="bg1"/>
                 </a:solidFill>
+                <a:latin typeface="Assistant" panose="00000500000000000000" pitchFamily="2" charset="-79"/>
+                <a:cs typeface="Assistant" panose="00000500000000000000" pitchFamily="2" charset="-79"/>
               </a:rPr>
               <a:t>With a longing and a love.</a:t>
             </a:r>
           </a:p>
           <a:p>
             <a:pPr algn="ctr"/>
-            <a:endParaRPr lang="en-US" sz="3600" dirty="0">
+            <a:endParaRPr lang="en-US" sz="2800" spc="50" dirty="0">
               <a:solidFill>
                 <a:schemeClr val="bg1"/>
               </a:solidFill>
+              <a:latin typeface="Assistant" panose="00000500000000000000" pitchFamily="2" charset="-79"/>
+              <a:cs typeface="Assistant" panose="00000500000000000000" pitchFamily="2" charset="-79"/>
             </a:endParaRPr>
           </a:p>
           <a:p>
             <a:pPr algn="ctr"/>
             <a:r>
-              <a:rPr lang="en-US" sz="3600" dirty="0">
+              <a:rPr lang="en-US" sz="2800" spc="50" dirty="0">
                 <a:solidFill>
                   <a:schemeClr val="bg1"/>
                 </a:solidFill>
+                <a:latin typeface="Assistant" panose="00000500000000000000" pitchFamily="2" charset="-79"/>
+                <a:cs typeface="Assistant" panose="00000500000000000000" pitchFamily="2" charset="-79"/>
               </a:rPr>
               <a:t>Work in all, in all renew</a:t>
             </a:r>
@@ -3374,10 +3406,12 @@
           <a:p>
             <a:pPr algn="ctr"/>
             <a:r>
-              <a:rPr lang="en-US" sz="3600" dirty="0">
+              <a:rPr lang="en-US" sz="2800" spc="50" dirty="0">
                 <a:solidFill>
                   <a:schemeClr val="bg1"/>
                 </a:solidFill>
+                <a:latin typeface="Assistant" panose="00000500000000000000" pitchFamily="2" charset="-79"/>
+                <a:cs typeface="Assistant" panose="00000500000000000000" pitchFamily="2" charset="-79"/>
               </a:rPr>
               <a:t>Day by day the life divine;</a:t>
             </a:r>
@@ -3385,10 +3419,12 @@
           <a:p>
             <a:pPr algn="ctr"/>
             <a:r>
-              <a:rPr lang="en-US" sz="3600" dirty="0">
+              <a:rPr lang="en-US" sz="2800" spc="50" dirty="0">
                 <a:solidFill>
                   <a:schemeClr val="bg1"/>
                 </a:solidFill>
+                <a:latin typeface="Assistant" panose="00000500000000000000" pitchFamily="2" charset="-79"/>
+                <a:cs typeface="Assistant" panose="00000500000000000000" pitchFamily="2" charset="-79"/>
               </a:rPr>
               <a:t>All our wills to Thee subdue;</a:t>
             </a:r>
@@ -3396,26 +3432,15 @@
           <a:p>
             <a:pPr algn="ctr"/>
             <a:r>
-              <a:rPr lang="en-US" sz="3600" dirty="0">
+              <a:rPr lang="en-US" sz="2800" spc="50" dirty="0">
                 <a:solidFill>
                   <a:schemeClr val="bg1"/>
                 </a:solidFill>
+                <a:latin typeface="Assistant" panose="00000500000000000000" pitchFamily="2" charset="-79"/>
+                <a:cs typeface="Assistant" panose="00000500000000000000" pitchFamily="2" charset="-79"/>
               </a:rPr>
-              <a:t>All our hearts to </a:t>
-            </a:r>
-            <a:r>
-              <a:rPr lang="en-US" sz="3600">
-                <a:solidFill>
-                  <a:schemeClr val="bg1"/>
-                </a:solidFill>
-              </a:rPr>
-              <a:t>Thee incline.</a:t>
-            </a:r>
-            <a:endParaRPr lang="en-US" sz="3600" dirty="0">
-              <a:solidFill>
-                <a:schemeClr val="bg1"/>
-              </a:solidFill>
-            </a:endParaRPr>
+              <a:t>All our hearts to Thee incline.</a:t>
+            </a:r>
           </a:p>
         </p:txBody>
       </p:sp>
